--- a/tasks6.pptx
+++ b/tasks6.pptx
@@ -5,16 +5,17 @@
     <p:sldMasterId id="2147483648" r:id="rId1"/>
   </p:sldMasterIdLst>
   <p:notesMasterIdLst>
-    <p:notesMasterId r:id="rId9"/>
+    <p:notesMasterId r:id="rId10"/>
   </p:notesMasterIdLst>
   <p:sldIdLst>
     <p:sldId id="260" r:id="rId2"/>
     <p:sldId id="281" r:id="rId3"/>
     <p:sldId id="264" r:id="rId4"/>
     <p:sldId id="280" r:id="rId5"/>
-    <p:sldId id="283" r:id="rId6"/>
-    <p:sldId id="282" r:id="rId7"/>
-    <p:sldId id="289" r:id="rId8"/>
+    <p:sldId id="290" r:id="rId6"/>
+    <p:sldId id="283" r:id="rId7"/>
+    <p:sldId id="282" r:id="rId8"/>
+    <p:sldId id="289" r:id="rId9"/>
   </p:sldIdLst>
   <p:sldSz cx="12192000" cy="6858000"/>
   <p:notesSz cx="6858000" cy="9144000"/>
@@ -4674,302 +4675,545 @@
           <a:chExt cx="0" cy="0"/>
         </a:xfrm>
       </p:grpSpPr>
-      <p:sp>
-        <p:nvSpPr>
-          <p:cNvPr id="2" name="TextBox 1">
-            <a:extLst>
-              <a:ext uri="{FF2B5EF4-FFF2-40B4-BE49-F238E27FC236}">
-                <a16:creationId xmlns:a16="http://schemas.microsoft.com/office/drawing/2014/main" id="{ABB6BDA9-D3EC-48B2-8801-3CE10D1D5391}"/>
-              </a:ext>
-            </a:extLst>
-          </p:cNvPr>
-          <p:cNvSpPr txBox="1"/>
-          <p:nvPr/>
-        </p:nvSpPr>
-        <p:spPr>
-          <a:xfrm>
-            <a:off x="696000" y="729000"/>
-            <a:ext cx="10800000" cy="4893647"/>
-          </a:xfrm>
-          <a:prstGeom prst="rect">
-            <a:avLst/>
-          </a:prstGeom>
-          <a:noFill/>
-        </p:spPr>
-        <p:txBody>
-          <a:bodyPr wrap="square" rtlCol="0">
-            <a:spAutoFit/>
-          </a:bodyPr>
-          <a:lstStyle/>
-          <a:p>
-            <a:pPr marL="0" indent="0" algn="ctr">
-              <a:buNone/>
-            </a:pPr>
-            <a:r>
-              <a:rPr kumimoji="0" lang="en-GB" sz="2400" b="1" i="0" u="none" strike="noStrike" kern="1200" cap="none" spc="0" normalizeH="0" baseline="0" noProof="0" dirty="0">
-                <a:ln>
-                  <a:noFill/>
-                </a:ln>
-                <a:solidFill>
-                  <a:prstClr val="black"/>
-                </a:solidFill>
-                <a:effectLst/>
-                <a:uLnTx/>
-                <a:uFillTx/>
-                <a:latin typeface="Atkinson Hyperlegible" pitchFamily="50" charset="0"/>
-                <a:ea typeface="+mj-ea"/>
-                <a:cs typeface="+mj-cs"/>
-              </a:rPr>
-              <a:t>Task </a:t>
-            </a:r>
-            <a:fld id="{C4A595E0-68AA-423E-BAF3-3392370CE250}" type="slidenum">
-              <a:rPr kumimoji="0" lang="en-GB" sz="2400" b="1" i="0" u="none" strike="noStrike" kern="1200" cap="none" spc="0" normalizeH="0" baseline="0" noProof="0" smtClean="0">
-                <a:ln>
-                  <a:noFill/>
-                </a:ln>
-                <a:solidFill>
-                  <a:prstClr val="black"/>
-                </a:solidFill>
-                <a:effectLst/>
-                <a:uLnTx/>
-                <a:uFillTx/>
-                <a:latin typeface="Atkinson Hyperlegible" pitchFamily="50" charset="0"/>
-                <a:ea typeface="+mj-ea"/>
-                <a:cs typeface="+mj-cs"/>
-              </a:rPr>
-              <a:t>5</a:t>
-            </a:fld>
-            <a:endParaRPr kumimoji="0" lang="en-GB" sz="2400" b="1" i="0" u="none" strike="noStrike" kern="1200" cap="none" spc="0" normalizeH="0" baseline="0" noProof="0" dirty="0">
-              <a:ln>
-                <a:noFill/>
-              </a:ln>
-              <a:solidFill>
-                <a:prstClr val="black"/>
-              </a:solidFill>
-              <a:effectLst/>
-              <a:uLnTx/>
-              <a:uFillTx/>
-              <a:latin typeface="Atkinson Hyperlegible" pitchFamily="50" charset="0"/>
-              <a:ea typeface="+mj-ea"/>
-              <a:cs typeface="+mj-cs"/>
-            </a:endParaRPr>
-          </a:p>
-          <a:p>
-            <a:endParaRPr lang="en-GB" sz="2400" dirty="0">
-              <a:solidFill>
-                <a:prstClr val="black"/>
-              </a:solidFill>
-              <a:latin typeface="Atkinson Hyperlegible" pitchFamily="50" charset="0"/>
-              <a:ea typeface="+mj-ea"/>
-              <a:cs typeface="+mj-cs"/>
-            </a:endParaRPr>
-          </a:p>
-          <a:p>
-            <a:r>
-              <a:rPr lang="en-GB" sz="2400" dirty="0">
-                <a:solidFill>
-                  <a:prstClr val="black"/>
-                </a:solidFill>
-                <a:latin typeface="Atkinson Hyperlegible" pitchFamily="50" charset="0"/>
-                <a:ea typeface="+mj-ea"/>
-                <a:cs typeface="+mj-cs"/>
-              </a:rPr>
-              <a:t>Don't worry about how it works for now, but execute the following:</a:t>
-            </a:r>
-          </a:p>
-          <a:p>
-            <a:pPr lvl="1"/>
-            <a:r>
-              <a:rPr lang="en-GB" sz="2400" dirty="0">
-                <a:solidFill>
-                  <a:prstClr val="black"/>
-                </a:solidFill>
-                <a:latin typeface="APL385 Unicode" panose="020B0709000202000203" pitchFamily="49" charset="0"/>
-                <a:ea typeface="+mj-ea"/>
-                <a:cs typeface="+mj-cs"/>
-              </a:rPr>
-              <a:t>⎕FX⎕A</a:t>
-            </a:r>
-          </a:p>
-          <a:p>
-            <a:r>
-              <a:rPr lang="en-GB" sz="2400" dirty="0">
-                <a:solidFill>
-                  <a:prstClr val="black"/>
-                </a:solidFill>
-                <a:latin typeface="Atkinson Hyperlegible" pitchFamily="50" charset="0"/>
-                <a:ea typeface="+mj-ea"/>
-                <a:cs typeface="+mj-cs"/>
-              </a:rPr>
-              <a:t>This creates a function named </a:t>
-            </a:r>
-            <a:r>
-              <a:rPr lang="en-GB" sz="2400" dirty="0">
-                <a:solidFill>
-                  <a:prstClr val="black"/>
-                </a:solidFill>
-                <a:latin typeface="APL385 Unicode" panose="020B0709000202000203" pitchFamily="49" charset="0"/>
-                <a:ea typeface="+mj-ea"/>
-                <a:cs typeface="+mj-cs"/>
-              </a:rPr>
-              <a:t>A</a:t>
-            </a:r>
-            <a:r>
-              <a:rPr lang="en-GB" sz="2400" dirty="0">
-                <a:solidFill>
-                  <a:prstClr val="black"/>
-                </a:solidFill>
-                <a:latin typeface="Atkinson Hyperlegible" pitchFamily="50" charset="0"/>
-                <a:ea typeface="+mj-ea"/>
-                <a:cs typeface="+mj-cs"/>
-              </a:rPr>
-              <a:t> which has 26 lines.</a:t>
-            </a:r>
-          </a:p>
-          <a:p>
-            <a:endParaRPr lang="en-GB" sz="2400" dirty="0">
-              <a:solidFill>
-                <a:prstClr val="black"/>
-              </a:solidFill>
-              <a:latin typeface="Atkinson Hyperlegible" pitchFamily="50" charset="0"/>
-              <a:ea typeface="+mj-ea"/>
-              <a:cs typeface="+mj-cs"/>
-            </a:endParaRPr>
-          </a:p>
-          <a:p>
-            <a:r>
-              <a:rPr lang="en-GB" sz="2400" dirty="0">
-                <a:solidFill>
-                  <a:prstClr val="black"/>
-                </a:solidFill>
-                <a:latin typeface="Atkinson Hyperlegible" pitchFamily="50" charset="0"/>
-                <a:ea typeface="+mj-ea"/>
-                <a:cs typeface="+mj-cs"/>
-              </a:rPr>
-              <a:t>Create the function </a:t>
-            </a:r>
-            <a:r>
-              <a:rPr lang="en-GB" sz="2400" dirty="0" err="1">
-                <a:solidFill>
-                  <a:prstClr val="black"/>
-                </a:solidFill>
-                <a:latin typeface="APL385 Unicode" panose="020B0709000202000203" pitchFamily="49" charset="0"/>
-                <a:ea typeface="+mj-ea"/>
-                <a:cs typeface="+mj-cs"/>
-              </a:rPr>
-              <a:t>SetStopsA</a:t>
-            </a:r>
-            <a:r>
-              <a:rPr lang="en-GB" sz="2400" dirty="0">
-                <a:solidFill>
-                  <a:prstClr val="black"/>
-                </a:solidFill>
-                <a:latin typeface="Atkinson Hyperlegible" pitchFamily="50" charset="0"/>
-                <a:ea typeface="+mj-ea"/>
-                <a:cs typeface="+mj-cs"/>
-              </a:rPr>
-              <a:t> which should take a list of line numbers as argument, and set stops on those lines for the function </a:t>
-            </a:r>
-            <a:r>
-              <a:rPr lang="en-GB" sz="2400" dirty="0">
-                <a:solidFill>
-                  <a:prstClr val="black"/>
-                </a:solidFill>
-                <a:latin typeface="APL385 Unicode" panose="020B0709000202000203" pitchFamily="49" charset="0"/>
-                <a:ea typeface="+mj-ea"/>
-                <a:cs typeface="+mj-cs"/>
-              </a:rPr>
-              <a:t>A</a:t>
-            </a:r>
-            <a:r>
-              <a:rPr lang="en-GB" sz="2400" dirty="0">
-                <a:solidFill>
-                  <a:prstClr val="black"/>
-                </a:solidFill>
-                <a:latin typeface="Atkinson Hyperlegible" pitchFamily="50" charset="0"/>
-                <a:ea typeface="+mj-ea"/>
-                <a:cs typeface="+mj-cs"/>
-              </a:rPr>
-              <a:t>. Your function should not return a result.</a:t>
-            </a:r>
-          </a:p>
-          <a:p>
-            <a:endParaRPr lang="en-GB" sz="2400" dirty="0">
-              <a:solidFill>
-                <a:prstClr val="black"/>
-              </a:solidFill>
-              <a:latin typeface="Atkinson Hyperlegible" pitchFamily="50" charset="0"/>
-              <a:ea typeface="+mj-ea"/>
-              <a:cs typeface="+mj-cs"/>
-            </a:endParaRPr>
-          </a:p>
-          <a:p>
-            <a:r>
-              <a:rPr lang="en-GB" sz="2400" dirty="0">
-                <a:solidFill>
-                  <a:prstClr val="black"/>
-                </a:solidFill>
-                <a:latin typeface="APL385 Unicode" panose="020B0709000202000203" pitchFamily="49" charset="0"/>
-                <a:ea typeface="+mj-ea"/>
-                <a:cs typeface="+mj-cs"/>
-              </a:rPr>
-              <a:t>    </a:t>
-            </a:r>
-            <a:r>
-              <a:rPr lang="en-GB" sz="2400" dirty="0" err="1">
-                <a:solidFill>
-                  <a:prstClr val="black"/>
-                </a:solidFill>
-                <a:latin typeface="APL385 Unicode" panose="020B0709000202000203" pitchFamily="49" charset="0"/>
-                <a:ea typeface="+mj-ea"/>
-                <a:cs typeface="+mj-cs"/>
-              </a:rPr>
-              <a:t>SetStopsA</a:t>
-            </a:r>
-            <a:r>
-              <a:rPr lang="en-GB" sz="2400" dirty="0">
-                <a:solidFill>
-                  <a:prstClr val="black"/>
-                </a:solidFill>
-                <a:latin typeface="APL385 Unicode" panose="020B0709000202000203" pitchFamily="49" charset="0"/>
-                <a:ea typeface="+mj-ea"/>
-                <a:cs typeface="+mj-cs"/>
-              </a:rPr>
-              <a:t> 3 1 4 15</a:t>
-            </a:r>
-          </a:p>
-          <a:p>
-            <a:r>
-              <a:rPr lang="en-GB" sz="2400" dirty="0">
-                <a:solidFill>
-                  <a:prstClr val="black"/>
-                </a:solidFill>
-                <a:latin typeface="APL385 Unicode" panose="020B0709000202000203" pitchFamily="49" charset="0"/>
-                <a:ea typeface="+mj-ea"/>
-                <a:cs typeface="+mj-cs"/>
-              </a:rPr>
-              <a:t>    ⎕STOP 'A'</a:t>
-            </a:r>
-          </a:p>
-          <a:p>
-            <a:r>
-              <a:rPr lang="en-GB" sz="2400" dirty="0">
-                <a:solidFill>
-                  <a:prstClr val="black"/>
-                </a:solidFill>
-                <a:latin typeface="APL385 Unicode" panose="020B0709000202000203" pitchFamily="49" charset="0"/>
-                <a:ea typeface="+mj-ea"/>
-                <a:cs typeface="+mj-cs"/>
-              </a:rPr>
-              <a:t>1 3 4 15</a:t>
-            </a:r>
-          </a:p>
-        </p:txBody>
-      </p:sp>
+      <mc:AlternateContent xmlns:mc="http://schemas.openxmlformats.org/markup-compatibility/2006">
+        <mc:Choice xmlns:a14="http://schemas.microsoft.com/office/drawing/2010/main" Requires="a14">
+          <p:sp>
+            <p:nvSpPr>
+              <p:cNvPr id="2" name="TextBox 1">
+                <a:extLst>
+                  <a:ext uri="{FF2B5EF4-FFF2-40B4-BE49-F238E27FC236}">
+                    <a16:creationId xmlns:a16="http://schemas.microsoft.com/office/drawing/2014/main" id="{ABB6BDA9-D3EC-48B2-8801-3CE10D1D5391}"/>
+                  </a:ext>
+                </a:extLst>
+              </p:cNvPr>
+              <p:cNvSpPr txBox="1"/>
+              <p:nvPr/>
+            </p:nvSpPr>
+            <p:spPr>
+              <a:xfrm>
+                <a:off x="696000" y="729000"/>
+                <a:ext cx="10800000" cy="4154984"/>
+              </a:xfrm>
+              <a:prstGeom prst="rect">
+                <a:avLst/>
+              </a:prstGeom>
+              <a:noFill/>
+            </p:spPr>
+            <p:txBody>
+              <a:bodyPr wrap="square" rtlCol="0">
+                <a:spAutoFit/>
+              </a:bodyPr>
+              <a:lstStyle/>
+              <a:p>
+                <a:pPr marL="0" indent="0" algn="ctr">
+                  <a:buNone/>
+                </a:pPr>
+                <a:r>
+                  <a:rPr kumimoji="0" lang="en-GB" sz="2400" b="1" i="0" u="none" strike="noStrike" kern="1200" cap="none" spc="0" normalizeH="0" baseline="0" noProof="0" dirty="0">
+                    <a:ln>
+                      <a:noFill/>
+                    </a:ln>
+                    <a:solidFill>
+                      <a:prstClr val="black"/>
+                    </a:solidFill>
+                    <a:effectLst/>
+                    <a:uLnTx/>
+                    <a:uFillTx/>
+                    <a:latin typeface="Atkinson Hyperlegible" pitchFamily="50" charset="0"/>
+                    <a:ea typeface="+mj-ea"/>
+                    <a:cs typeface="+mj-cs"/>
+                  </a:rPr>
+                  <a:t>Task </a:t>
+                </a:r>
+                <a:fld id="{C4A595E0-68AA-423E-BAF3-3392370CE250}" type="slidenum">
+                  <a:rPr kumimoji="0" lang="en-GB" sz="2400" b="1" i="0" u="none" strike="noStrike" kern="1200" cap="none" spc="0" normalizeH="0" baseline="0" noProof="0" smtClean="0">
+                    <a:ln>
+                      <a:noFill/>
+                    </a:ln>
+                    <a:solidFill>
+                      <a:prstClr val="black"/>
+                    </a:solidFill>
+                    <a:effectLst/>
+                    <a:uLnTx/>
+                    <a:uFillTx/>
+                    <a:latin typeface="Atkinson Hyperlegible" pitchFamily="50" charset="0"/>
+                    <a:ea typeface="+mj-ea"/>
+                    <a:cs typeface="+mj-cs"/>
+                  </a:rPr>
+                  <a:t>5</a:t>
+                </a:fld>
+                <a:endParaRPr kumimoji="0" lang="en-GB" sz="2400" b="1" i="0" u="none" strike="noStrike" kern="1200" cap="none" spc="0" normalizeH="0" baseline="0" noProof="0" dirty="0">
+                  <a:ln>
+                    <a:noFill/>
+                  </a:ln>
+                  <a:solidFill>
+                    <a:prstClr val="black"/>
+                  </a:solidFill>
+                  <a:effectLst/>
+                  <a:uLnTx/>
+                  <a:uFillTx/>
+                  <a:latin typeface="Atkinson Hyperlegible" pitchFamily="50" charset="0"/>
+                  <a:ea typeface="+mj-ea"/>
+                  <a:cs typeface="+mj-cs"/>
+                </a:endParaRPr>
+              </a:p>
+              <a:p>
+                <a:endParaRPr lang="en-GB" sz="2400" dirty="0">
+                  <a:solidFill>
+                    <a:prstClr val="black"/>
+                  </a:solidFill>
+                  <a:latin typeface="Atkinson Hyperlegible" pitchFamily="50" charset="0"/>
+                  <a:ea typeface="+mj-ea"/>
+                  <a:cs typeface="+mj-cs"/>
+                </a:endParaRPr>
+              </a:p>
+              <a:p>
+                <a:r>
+                  <a:rPr lang="en-GB" sz="2400" dirty="0">
+                    <a:solidFill>
+                      <a:prstClr val="black"/>
+                    </a:solidFill>
+                    <a:latin typeface="Atkinson Hyperlegible" pitchFamily="50" charset="0"/>
+                    <a:ea typeface="+mj-ea"/>
+                    <a:cs typeface="+mj-cs"/>
+                  </a:rPr>
+                  <a:t>The Fibonacci sequence is formed as follows:</a:t>
+                </a:r>
+              </a:p>
+              <a:p>
+                <a:pPr lvl="1"/>
+                <a14:m>
+                  <m:oMathPara xmlns:m="http://schemas.openxmlformats.org/officeDocument/2006/math">
+                    <m:oMathParaPr>
+                      <m:jc m:val="left"/>
+                    </m:oMathParaPr>
+                    <m:oMath xmlns:m="http://schemas.openxmlformats.org/officeDocument/2006/math">
+                      <m:r>
+                        <a:rPr lang="en-GB" sz="2400" b="0" i="1" smtClean="0">
+                          <a:solidFill>
+                            <a:prstClr val="black"/>
+                          </a:solidFill>
+                          <a:latin typeface="Cambria Math" panose="02040503050406030204" pitchFamily="18" charset="0"/>
+                          <a:ea typeface="+mj-ea"/>
+                          <a:cs typeface="+mj-cs"/>
+                        </a:rPr>
+                        <m:t>𝐹</m:t>
+                      </m:r>
+                      <m:d>
+                        <m:dPr>
+                          <m:ctrlPr>
+                            <a:rPr lang="en-GB" sz="2400" b="0" i="1" smtClean="0">
+                              <a:solidFill>
+                                <a:prstClr val="black"/>
+                              </a:solidFill>
+                              <a:latin typeface="Cambria Math" panose="02040503050406030204" pitchFamily="18" charset="0"/>
+                              <a:ea typeface="+mj-ea"/>
+                              <a:cs typeface="+mj-cs"/>
+                            </a:rPr>
+                          </m:ctrlPr>
+                        </m:dPr>
+                        <m:e>
+                          <m:r>
+                            <a:rPr lang="en-GB" sz="2400" b="0" i="1" smtClean="0">
+                              <a:solidFill>
+                                <a:prstClr val="black"/>
+                              </a:solidFill>
+                              <a:latin typeface="Cambria Math" panose="02040503050406030204" pitchFamily="18" charset="0"/>
+                              <a:ea typeface="+mj-ea"/>
+                              <a:cs typeface="+mj-cs"/>
+                            </a:rPr>
+                            <m:t>0</m:t>
+                          </m:r>
+                        </m:e>
+                      </m:d>
+                      <m:r>
+                        <a:rPr lang="en-GB" sz="2400" b="0" i="1" smtClean="0">
+                          <a:solidFill>
+                            <a:prstClr val="black"/>
+                          </a:solidFill>
+                          <a:latin typeface="Cambria Math" panose="02040503050406030204" pitchFamily="18" charset="0"/>
+                          <a:ea typeface="+mj-ea"/>
+                          <a:cs typeface="+mj-cs"/>
+                        </a:rPr>
+                        <m:t>=0,</m:t>
+                      </m:r>
+                    </m:oMath>
+                  </m:oMathPara>
+                </a14:m>
+                <a:endParaRPr lang="en-GB" sz="2400" b="0" i="1" dirty="0">
+                  <a:solidFill>
+                    <a:prstClr val="black"/>
+                  </a:solidFill>
+                  <a:latin typeface="Cambria Math" panose="02040503050406030204" pitchFamily="18" charset="0"/>
+                  <a:ea typeface="+mj-ea"/>
+                  <a:cs typeface="+mj-cs"/>
+                </a:endParaRPr>
+              </a:p>
+              <a:p>
+                <a:pPr lvl="1"/>
+                <a14:m>
+                  <m:oMathPara xmlns:m="http://schemas.openxmlformats.org/officeDocument/2006/math">
+                    <m:oMathParaPr>
+                      <m:jc m:val="left"/>
+                    </m:oMathParaPr>
+                    <m:oMath xmlns:m="http://schemas.openxmlformats.org/officeDocument/2006/math">
+                      <m:r>
+                        <a:rPr lang="en-GB" sz="2400" b="0" i="1" smtClean="0">
+                          <a:solidFill>
+                            <a:prstClr val="black"/>
+                          </a:solidFill>
+                          <a:latin typeface="Cambria Math" panose="02040503050406030204" pitchFamily="18" charset="0"/>
+                          <a:ea typeface="+mj-ea"/>
+                          <a:cs typeface="+mj-cs"/>
+                        </a:rPr>
+                        <m:t>𝐹</m:t>
+                      </m:r>
+                      <m:d>
+                        <m:dPr>
+                          <m:ctrlPr>
+                            <a:rPr lang="en-GB" sz="2400" b="0" i="1" smtClean="0">
+                              <a:solidFill>
+                                <a:prstClr val="black"/>
+                              </a:solidFill>
+                              <a:latin typeface="Cambria Math" panose="02040503050406030204" pitchFamily="18" charset="0"/>
+                              <a:ea typeface="+mj-ea"/>
+                              <a:cs typeface="+mj-cs"/>
+                            </a:rPr>
+                          </m:ctrlPr>
+                        </m:dPr>
+                        <m:e>
+                          <m:r>
+                            <a:rPr lang="en-GB" sz="2400" b="0" i="1" smtClean="0">
+                              <a:solidFill>
+                                <a:prstClr val="black"/>
+                              </a:solidFill>
+                              <a:latin typeface="Cambria Math" panose="02040503050406030204" pitchFamily="18" charset="0"/>
+                              <a:ea typeface="+mj-ea"/>
+                              <a:cs typeface="+mj-cs"/>
+                            </a:rPr>
+                            <m:t>1</m:t>
+                          </m:r>
+                        </m:e>
+                      </m:d>
+                      <m:r>
+                        <a:rPr lang="en-GB" sz="2400" b="0" i="1" smtClean="0">
+                          <a:solidFill>
+                            <a:prstClr val="black"/>
+                          </a:solidFill>
+                          <a:latin typeface="Cambria Math" panose="02040503050406030204" pitchFamily="18" charset="0"/>
+                          <a:ea typeface="+mj-ea"/>
+                          <a:cs typeface="+mj-cs"/>
+                        </a:rPr>
+                        <m:t>=1</m:t>
+                      </m:r>
+                    </m:oMath>
+                  </m:oMathPara>
+                </a14:m>
+                <a:endParaRPr lang="en-GB" sz="2400" b="0" i="1" dirty="0">
+                  <a:solidFill>
+                    <a:prstClr val="black"/>
+                  </a:solidFill>
+                  <a:latin typeface="Cambria Math" panose="02040503050406030204" pitchFamily="18" charset="0"/>
+                  <a:ea typeface="+mj-ea"/>
+                  <a:cs typeface="+mj-cs"/>
+                </a:endParaRPr>
+              </a:p>
+              <a:p>
+                <a:pPr lvl="1"/>
+                <a14:m>
+                  <m:oMathPara xmlns:m="http://schemas.openxmlformats.org/officeDocument/2006/math">
+                    <m:oMathParaPr>
+                      <m:jc m:val="left"/>
+                    </m:oMathParaPr>
+                    <m:oMath xmlns:m="http://schemas.openxmlformats.org/officeDocument/2006/math">
+                      <m:r>
+                        <a:rPr lang="en-GB" sz="2400" b="0" i="1" smtClean="0">
+                          <a:solidFill>
+                            <a:prstClr val="black"/>
+                          </a:solidFill>
+                          <a:latin typeface="Cambria Math" panose="02040503050406030204" pitchFamily="18" charset="0"/>
+                          <a:ea typeface="+mj-ea"/>
+                          <a:cs typeface="+mj-cs"/>
+                        </a:rPr>
+                        <m:t>𝐹</m:t>
+                      </m:r>
+                      <m:d>
+                        <m:dPr>
+                          <m:ctrlPr>
+                            <a:rPr lang="en-GB" sz="2400" b="0" i="1" smtClean="0">
+                              <a:solidFill>
+                                <a:prstClr val="black"/>
+                              </a:solidFill>
+                              <a:latin typeface="Cambria Math" panose="02040503050406030204" pitchFamily="18" charset="0"/>
+                              <a:ea typeface="+mj-ea"/>
+                              <a:cs typeface="+mj-cs"/>
+                            </a:rPr>
+                          </m:ctrlPr>
+                        </m:dPr>
+                        <m:e>
+                          <m:r>
+                            <a:rPr lang="en-GB" sz="2400" b="0" i="1" smtClean="0">
+                              <a:solidFill>
+                                <a:prstClr val="black"/>
+                              </a:solidFill>
+                              <a:latin typeface="Cambria Math" panose="02040503050406030204" pitchFamily="18" charset="0"/>
+                              <a:ea typeface="+mj-ea"/>
+                              <a:cs typeface="+mj-cs"/>
+                            </a:rPr>
+                            <m:t>𝑛</m:t>
+                          </m:r>
+                        </m:e>
+                      </m:d>
+                      <m:r>
+                        <a:rPr lang="en-GB" sz="2400" b="0" i="1" smtClean="0">
+                          <a:solidFill>
+                            <a:prstClr val="black"/>
+                          </a:solidFill>
+                          <a:latin typeface="Cambria Math" panose="02040503050406030204" pitchFamily="18" charset="0"/>
+                          <a:ea typeface="+mj-ea"/>
+                          <a:cs typeface="+mj-cs"/>
+                        </a:rPr>
+                        <m:t>=</m:t>
+                      </m:r>
+                      <m:r>
+                        <a:rPr lang="en-GB" sz="2400" b="0" i="1" smtClean="0">
+                          <a:solidFill>
+                            <a:prstClr val="black"/>
+                          </a:solidFill>
+                          <a:latin typeface="Cambria Math" panose="02040503050406030204" pitchFamily="18" charset="0"/>
+                          <a:ea typeface="+mj-ea"/>
+                          <a:cs typeface="+mj-cs"/>
+                        </a:rPr>
+                        <m:t>𝐹</m:t>
+                      </m:r>
+                      <m:d>
+                        <m:dPr>
+                          <m:ctrlPr>
+                            <a:rPr lang="en-GB" sz="2400" b="0" i="1" smtClean="0">
+                              <a:solidFill>
+                                <a:prstClr val="black"/>
+                              </a:solidFill>
+                              <a:latin typeface="Cambria Math" panose="02040503050406030204" pitchFamily="18" charset="0"/>
+                              <a:ea typeface="+mj-ea"/>
+                              <a:cs typeface="+mj-cs"/>
+                            </a:rPr>
+                          </m:ctrlPr>
+                        </m:dPr>
+                        <m:e>
+                          <m:r>
+                            <a:rPr lang="en-GB" sz="2400" b="0" i="1" smtClean="0">
+                              <a:solidFill>
+                                <a:prstClr val="black"/>
+                              </a:solidFill>
+                              <a:latin typeface="Cambria Math" panose="02040503050406030204" pitchFamily="18" charset="0"/>
+                              <a:ea typeface="+mj-ea"/>
+                              <a:cs typeface="+mj-cs"/>
+                            </a:rPr>
+                            <m:t>𝑛</m:t>
+                          </m:r>
+                          <m:r>
+                            <a:rPr lang="en-GB" sz="2400" b="0" i="1" smtClean="0">
+                              <a:solidFill>
+                                <a:prstClr val="black"/>
+                              </a:solidFill>
+                              <a:latin typeface="Cambria Math" panose="02040503050406030204" pitchFamily="18" charset="0"/>
+                              <a:ea typeface="+mj-ea"/>
+                              <a:cs typeface="+mj-cs"/>
+                            </a:rPr>
+                            <m:t>−1</m:t>
+                          </m:r>
+                        </m:e>
+                      </m:d>
+                      <m:r>
+                        <a:rPr lang="en-GB" sz="2400" b="0" i="1" smtClean="0">
+                          <a:solidFill>
+                            <a:prstClr val="black"/>
+                          </a:solidFill>
+                          <a:latin typeface="Cambria Math" panose="02040503050406030204" pitchFamily="18" charset="0"/>
+                          <a:ea typeface="+mj-ea"/>
+                          <a:cs typeface="+mj-cs"/>
+                        </a:rPr>
+                        <m:t>+</m:t>
+                      </m:r>
+                      <m:r>
+                        <a:rPr lang="en-GB" sz="2400" b="0" i="1" smtClean="0">
+                          <a:solidFill>
+                            <a:prstClr val="black"/>
+                          </a:solidFill>
+                          <a:latin typeface="Cambria Math" panose="02040503050406030204" pitchFamily="18" charset="0"/>
+                          <a:ea typeface="+mj-ea"/>
+                          <a:cs typeface="+mj-cs"/>
+                        </a:rPr>
+                        <m:t>𝐹</m:t>
+                      </m:r>
+                      <m:r>
+                        <a:rPr lang="en-GB" sz="2400" b="0" i="1" smtClean="0">
+                          <a:solidFill>
+                            <a:prstClr val="black"/>
+                          </a:solidFill>
+                          <a:latin typeface="Cambria Math" panose="02040503050406030204" pitchFamily="18" charset="0"/>
+                          <a:ea typeface="+mj-ea"/>
+                          <a:cs typeface="+mj-cs"/>
+                        </a:rPr>
+                        <m:t>(</m:t>
+                      </m:r>
+                      <m:r>
+                        <a:rPr lang="en-GB" sz="2400" b="0" i="1" smtClean="0">
+                          <a:solidFill>
+                            <a:prstClr val="black"/>
+                          </a:solidFill>
+                          <a:latin typeface="Cambria Math" panose="02040503050406030204" pitchFamily="18" charset="0"/>
+                          <a:ea typeface="+mj-ea"/>
+                          <a:cs typeface="+mj-cs"/>
+                        </a:rPr>
+                        <m:t>𝑛</m:t>
+                      </m:r>
+                      <m:r>
+                        <a:rPr lang="en-GB" sz="2400" b="0" i="1" smtClean="0">
+                          <a:solidFill>
+                            <a:prstClr val="black"/>
+                          </a:solidFill>
+                          <a:latin typeface="Cambria Math" panose="02040503050406030204" pitchFamily="18" charset="0"/>
+                          <a:ea typeface="+mj-ea"/>
+                          <a:cs typeface="+mj-cs"/>
+                        </a:rPr>
+                        <m:t>−2)</m:t>
+                      </m:r>
+                    </m:oMath>
+                  </m:oMathPara>
+                </a14:m>
+                <a:endParaRPr lang="en-GB" sz="2400" dirty="0">
+                  <a:solidFill>
+                    <a:prstClr val="black"/>
+                  </a:solidFill>
+                  <a:latin typeface="Atkinson Hyperlegible" pitchFamily="50" charset="0"/>
+                  <a:ea typeface="+mj-ea"/>
+                  <a:cs typeface="+mj-cs"/>
+                </a:endParaRPr>
+              </a:p>
+              <a:p>
+                <a:endParaRPr lang="en-GB" sz="2400" dirty="0">
+                  <a:solidFill>
+                    <a:prstClr val="black"/>
+                  </a:solidFill>
+                  <a:latin typeface="Atkinson Hyperlegible" pitchFamily="50" charset="0"/>
+                  <a:ea typeface="+mj-ea"/>
+                  <a:cs typeface="+mj-cs"/>
+                </a:endParaRPr>
+              </a:p>
+              <a:p>
+                <a:r>
+                  <a:rPr lang="en-GB" sz="2400" dirty="0">
+                    <a:solidFill>
+                      <a:prstClr val="black"/>
+                    </a:solidFill>
+                    <a:latin typeface="Atkinson Hyperlegible" pitchFamily="50" charset="0"/>
+                    <a:ea typeface="+mj-ea"/>
+                    <a:cs typeface="+mj-cs"/>
+                  </a:rPr>
+                  <a:t>Define </a:t>
+                </a:r>
+                <a:r>
+                  <a:rPr lang="en-GB" sz="2400" dirty="0">
+                    <a:solidFill>
+                      <a:prstClr val="black"/>
+                    </a:solidFill>
+                    <a:latin typeface="APL385 Unicode" panose="020B0709000202000203" pitchFamily="49" charset="0"/>
+                    <a:ea typeface="+mj-ea"/>
+                    <a:cs typeface="+mj-cs"/>
+                  </a:rPr>
+                  <a:t>F</a:t>
+                </a:r>
+                <a:r>
+                  <a:rPr lang="en-GB" sz="2400" dirty="0">
+                    <a:solidFill>
+                      <a:prstClr val="black"/>
+                    </a:solidFill>
+                    <a:latin typeface="Atkinson Hyperlegible" pitchFamily="50" charset="0"/>
+                    <a:ea typeface="+mj-ea"/>
+                    <a:cs typeface="+mj-cs"/>
+                  </a:rPr>
+                  <a:t>.</a:t>
+                </a:r>
+              </a:p>
+              <a:p>
+                <a:endParaRPr lang="en-GB" sz="2400" dirty="0">
+                  <a:solidFill>
+                    <a:prstClr val="black"/>
+                  </a:solidFill>
+                  <a:latin typeface="Atkinson Hyperlegible" pitchFamily="50" charset="0"/>
+                  <a:ea typeface="+mj-ea"/>
+                  <a:cs typeface="+mj-cs"/>
+                </a:endParaRPr>
+              </a:p>
+              <a:p>
+                <a:r>
+                  <a:rPr lang="en-GB" sz="2400" dirty="0">
+                    <a:latin typeface="APL385 Unicode" panose="020B0709000202000203" pitchFamily="49" charset="0"/>
+                  </a:rPr>
+                  <a:t>            F¨⍳10</a:t>
+                </a:r>
+              </a:p>
+              <a:p>
+                <a:r>
+                  <a:rPr lang="en-GB" sz="2400" dirty="0">
+                    <a:latin typeface="APL385 Unicode" panose="020B0709000202000203" pitchFamily="49" charset="0"/>
+                  </a:rPr>
+                  <a:t>1 1 2 3 5 8 13 21 34 55</a:t>
+                </a:r>
+              </a:p>
+            </p:txBody>
+          </p:sp>
+        </mc:Choice>
+        <mc:Fallback>
+          <p:sp>
+            <p:nvSpPr>
+              <p:cNvPr id="2" name="TextBox 1">
+                <a:extLst>
+                  <a:ext uri="{FF2B5EF4-FFF2-40B4-BE49-F238E27FC236}">
+                    <a16:creationId xmlns:a16="http://schemas.microsoft.com/office/drawing/2014/main" id="{ABB6BDA9-D3EC-48B2-8801-3CE10D1D5391}"/>
+                  </a:ext>
+                </a:extLst>
+              </p:cNvPr>
+              <p:cNvSpPr txBox="1">
+                <a:spLocks noRot="1" noChangeAspect="1" noMove="1" noResize="1" noEditPoints="1" noAdjustHandles="1" noChangeArrowheads="1" noChangeShapeType="1" noTextEdit="1"/>
+              </p:cNvSpPr>
+              <p:nvPr/>
+            </p:nvSpPr>
+            <p:spPr>
+              <a:xfrm>
+                <a:off x="696000" y="729000"/>
+                <a:ext cx="10800000" cy="4154984"/>
+              </a:xfrm>
+              <a:prstGeom prst="rect">
+                <a:avLst/>
+              </a:prstGeom>
+              <a:blipFill>
+                <a:blip r:embed="rId2"/>
+                <a:stretch>
+                  <a:fillRect l="-847" t="-1175" b="-2496"/>
+                </a:stretch>
+              </a:blipFill>
+            </p:spPr>
+            <p:txBody>
+              <a:bodyPr/>
+              <a:lstStyle/>
+              <a:p>
+                <a:r>
+                  <a:rPr lang="en-GB">
+                    <a:noFill/>
+                  </a:rPr>
+                  <a:t> </a:t>
+                </a:r>
+              </a:p>
+            </p:txBody>
+          </p:sp>
+        </mc:Fallback>
+      </mc:AlternateContent>
     </p:spTree>
     <p:extLst>
       <p:ext uri="{BB962C8B-B14F-4D97-AF65-F5344CB8AC3E}">
-        <p14:creationId xmlns:p14="http://schemas.microsoft.com/office/powerpoint/2010/main" val="3847012230"/>
+        <p14:creationId xmlns:p14="http://schemas.microsoft.com/office/powerpoint/2010/main" val="4092942817"/>
       </p:ext>
     </p:extLst>
   </p:cSld>
@@ -5011,7 +5255,7 @@
         <p:spPr>
           <a:xfrm>
             <a:off x="696000" y="729000"/>
-            <a:ext cx="10800000" cy="3046988"/>
+            <a:ext cx="10800000" cy="4893647"/>
           </a:xfrm>
           <a:prstGeom prst="rect">
             <a:avLst/>
@@ -5096,6 +5340,328 @@
                 <a:ea typeface="+mj-ea"/>
                 <a:cs typeface="+mj-cs"/>
               </a:rPr>
+              <a:t>Don't worry about how it works for now, but execute the following:</a:t>
+            </a:r>
+          </a:p>
+          <a:p>
+            <a:pPr lvl="1"/>
+            <a:r>
+              <a:rPr lang="en-GB" sz="2400" dirty="0">
+                <a:solidFill>
+                  <a:prstClr val="black"/>
+                </a:solidFill>
+                <a:latin typeface="APL385 Unicode" panose="020B0709000202000203" pitchFamily="49" charset="0"/>
+                <a:ea typeface="+mj-ea"/>
+                <a:cs typeface="+mj-cs"/>
+              </a:rPr>
+              <a:t>⎕FX⎕A</a:t>
+            </a:r>
+          </a:p>
+          <a:p>
+            <a:r>
+              <a:rPr lang="en-GB" sz="2400" dirty="0">
+                <a:solidFill>
+                  <a:prstClr val="black"/>
+                </a:solidFill>
+                <a:latin typeface="Atkinson Hyperlegible" pitchFamily="50" charset="0"/>
+                <a:ea typeface="+mj-ea"/>
+                <a:cs typeface="+mj-cs"/>
+              </a:rPr>
+              <a:t>This creates a function named </a:t>
+            </a:r>
+            <a:r>
+              <a:rPr lang="en-GB" sz="2400" dirty="0">
+                <a:solidFill>
+                  <a:prstClr val="black"/>
+                </a:solidFill>
+                <a:latin typeface="APL385 Unicode" panose="020B0709000202000203" pitchFamily="49" charset="0"/>
+                <a:ea typeface="+mj-ea"/>
+                <a:cs typeface="+mj-cs"/>
+              </a:rPr>
+              <a:t>A</a:t>
+            </a:r>
+            <a:r>
+              <a:rPr lang="en-GB" sz="2400" dirty="0">
+                <a:solidFill>
+                  <a:prstClr val="black"/>
+                </a:solidFill>
+                <a:latin typeface="Atkinson Hyperlegible" pitchFamily="50" charset="0"/>
+                <a:ea typeface="+mj-ea"/>
+                <a:cs typeface="+mj-cs"/>
+              </a:rPr>
+              <a:t> which has 26 lines.</a:t>
+            </a:r>
+          </a:p>
+          <a:p>
+            <a:endParaRPr lang="en-GB" sz="2400" dirty="0">
+              <a:solidFill>
+                <a:prstClr val="black"/>
+              </a:solidFill>
+              <a:latin typeface="Atkinson Hyperlegible" pitchFamily="50" charset="0"/>
+              <a:ea typeface="+mj-ea"/>
+              <a:cs typeface="+mj-cs"/>
+            </a:endParaRPr>
+          </a:p>
+          <a:p>
+            <a:r>
+              <a:rPr lang="en-GB" sz="2400" dirty="0">
+                <a:solidFill>
+                  <a:prstClr val="black"/>
+                </a:solidFill>
+                <a:latin typeface="Atkinson Hyperlegible" pitchFamily="50" charset="0"/>
+                <a:ea typeface="+mj-ea"/>
+                <a:cs typeface="+mj-cs"/>
+              </a:rPr>
+              <a:t>Create the function </a:t>
+            </a:r>
+            <a:r>
+              <a:rPr lang="en-GB" sz="2400" dirty="0" err="1">
+                <a:solidFill>
+                  <a:prstClr val="black"/>
+                </a:solidFill>
+                <a:latin typeface="APL385 Unicode" panose="020B0709000202000203" pitchFamily="49" charset="0"/>
+                <a:ea typeface="+mj-ea"/>
+                <a:cs typeface="+mj-cs"/>
+              </a:rPr>
+              <a:t>SetStopsA</a:t>
+            </a:r>
+            <a:r>
+              <a:rPr lang="en-GB" sz="2400" dirty="0">
+                <a:solidFill>
+                  <a:prstClr val="black"/>
+                </a:solidFill>
+                <a:latin typeface="Atkinson Hyperlegible" pitchFamily="50" charset="0"/>
+                <a:ea typeface="+mj-ea"/>
+                <a:cs typeface="+mj-cs"/>
+              </a:rPr>
+              <a:t> which should take a list of line numbers as argument, and set stops on those lines for the function </a:t>
+            </a:r>
+            <a:r>
+              <a:rPr lang="en-GB" sz="2400" dirty="0">
+                <a:solidFill>
+                  <a:prstClr val="black"/>
+                </a:solidFill>
+                <a:latin typeface="APL385 Unicode" panose="020B0709000202000203" pitchFamily="49" charset="0"/>
+                <a:ea typeface="+mj-ea"/>
+                <a:cs typeface="+mj-cs"/>
+              </a:rPr>
+              <a:t>A</a:t>
+            </a:r>
+            <a:r>
+              <a:rPr lang="en-GB" sz="2400" dirty="0">
+                <a:solidFill>
+                  <a:prstClr val="black"/>
+                </a:solidFill>
+                <a:latin typeface="Atkinson Hyperlegible" pitchFamily="50" charset="0"/>
+                <a:ea typeface="+mj-ea"/>
+                <a:cs typeface="+mj-cs"/>
+              </a:rPr>
+              <a:t>. Your function should not return a result.</a:t>
+            </a:r>
+          </a:p>
+          <a:p>
+            <a:endParaRPr lang="en-GB" sz="2400" dirty="0">
+              <a:solidFill>
+                <a:prstClr val="black"/>
+              </a:solidFill>
+              <a:latin typeface="Atkinson Hyperlegible" pitchFamily="50" charset="0"/>
+              <a:ea typeface="+mj-ea"/>
+              <a:cs typeface="+mj-cs"/>
+            </a:endParaRPr>
+          </a:p>
+          <a:p>
+            <a:r>
+              <a:rPr lang="en-GB" sz="2400" dirty="0">
+                <a:solidFill>
+                  <a:prstClr val="black"/>
+                </a:solidFill>
+                <a:latin typeface="APL385 Unicode" panose="020B0709000202000203" pitchFamily="49" charset="0"/>
+                <a:ea typeface="+mj-ea"/>
+                <a:cs typeface="+mj-cs"/>
+              </a:rPr>
+              <a:t>    </a:t>
+            </a:r>
+            <a:r>
+              <a:rPr lang="en-GB" sz="2400" dirty="0" err="1">
+                <a:solidFill>
+                  <a:prstClr val="black"/>
+                </a:solidFill>
+                <a:latin typeface="APL385 Unicode" panose="020B0709000202000203" pitchFamily="49" charset="0"/>
+                <a:ea typeface="+mj-ea"/>
+                <a:cs typeface="+mj-cs"/>
+              </a:rPr>
+              <a:t>SetStopsA</a:t>
+            </a:r>
+            <a:r>
+              <a:rPr lang="en-GB" sz="2400" dirty="0">
+                <a:solidFill>
+                  <a:prstClr val="black"/>
+                </a:solidFill>
+                <a:latin typeface="APL385 Unicode" panose="020B0709000202000203" pitchFamily="49" charset="0"/>
+                <a:ea typeface="+mj-ea"/>
+                <a:cs typeface="+mj-cs"/>
+              </a:rPr>
+              <a:t> 3 1 4 15</a:t>
+            </a:r>
+          </a:p>
+          <a:p>
+            <a:r>
+              <a:rPr lang="en-GB" sz="2400" dirty="0">
+                <a:solidFill>
+                  <a:prstClr val="black"/>
+                </a:solidFill>
+                <a:latin typeface="APL385 Unicode" panose="020B0709000202000203" pitchFamily="49" charset="0"/>
+                <a:ea typeface="+mj-ea"/>
+                <a:cs typeface="+mj-cs"/>
+              </a:rPr>
+              <a:t>    ⎕STOP 'A'</a:t>
+            </a:r>
+          </a:p>
+          <a:p>
+            <a:r>
+              <a:rPr lang="en-GB" sz="2400" dirty="0">
+                <a:solidFill>
+                  <a:prstClr val="black"/>
+                </a:solidFill>
+                <a:latin typeface="APL385 Unicode" panose="020B0709000202000203" pitchFamily="49" charset="0"/>
+                <a:ea typeface="+mj-ea"/>
+                <a:cs typeface="+mj-cs"/>
+              </a:rPr>
+              <a:t>1 3 4 15</a:t>
+            </a:r>
+          </a:p>
+        </p:txBody>
+      </p:sp>
+    </p:spTree>
+    <p:extLst>
+      <p:ext uri="{BB962C8B-B14F-4D97-AF65-F5344CB8AC3E}">
+        <p14:creationId xmlns:p14="http://schemas.microsoft.com/office/powerpoint/2010/main" val="3847012230"/>
+      </p:ext>
+    </p:extLst>
+  </p:cSld>
+  <p:clrMapOvr>
+    <a:masterClrMapping/>
+  </p:clrMapOvr>
+</p:sld>
+</file>
+
+<file path=ppt/slides/slide7.xml><?xml version="1.0" encoding="utf-8"?>
+<p:sld xmlns:a="http://schemas.openxmlformats.org/drawingml/2006/main" xmlns:r="http://schemas.openxmlformats.org/officeDocument/2006/relationships" xmlns:p="http://schemas.openxmlformats.org/presentationml/2006/main">
+  <p:cSld>
+    <p:spTree>
+      <p:nvGrpSpPr>
+        <p:cNvPr id="1" name=""/>
+        <p:cNvGrpSpPr/>
+        <p:nvPr/>
+      </p:nvGrpSpPr>
+      <p:grpSpPr>
+        <a:xfrm>
+          <a:off x="0" y="0"/>
+          <a:ext cx="0" cy="0"/>
+          <a:chOff x="0" y="0"/>
+          <a:chExt cx="0" cy="0"/>
+        </a:xfrm>
+      </p:grpSpPr>
+      <p:sp>
+        <p:nvSpPr>
+          <p:cNvPr id="2" name="TextBox 1">
+            <a:extLst>
+              <a:ext uri="{FF2B5EF4-FFF2-40B4-BE49-F238E27FC236}">
+                <a16:creationId xmlns:a16="http://schemas.microsoft.com/office/drawing/2014/main" id="{ABB6BDA9-D3EC-48B2-8801-3CE10D1D5391}"/>
+              </a:ext>
+            </a:extLst>
+          </p:cNvPr>
+          <p:cNvSpPr txBox="1"/>
+          <p:nvPr/>
+        </p:nvSpPr>
+        <p:spPr>
+          <a:xfrm>
+            <a:off x="696000" y="729000"/>
+            <a:ext cx="10800000" cy="3046988"/>
+          </a:xfrm>
+          <a:prstGeom prst="rect">
+            <a:avLst/>
+          </a:prstGeom>
+          <a:noFill/>
+        </p:spPr>
+        <p:txBody>
+          <a:bodyPr wrap="square" rtlCol="0">
+            <a:spAutoFit/>
+          </a:bodyPr>
+          <a:lstStyle/>
+          <a:p>
+            <a:pPr marL="0" indent="0" algn="ctr">
+              <a:buNone/>
+            </a:pPr>
+            <a:r>
+              <a:rPr kumimoji="0" lang="en-GB" sz="2400" b="1" i="0" u="none" strike="noStrike" kern="1200" cap="none" spc="0" normalizeH="0" baseline="0" noProof="0" dirty="0">
+                <a:ln>
+                  <a:noFill/>
+                </a:ln>
+                <a:solidFill>
+                  <a:prstClr val="black"/>
+                </a:solidFill>
+                <a:effectLst/>
+                <a:uLnTx/>
+                <a:uFillTx/>
+                <a:latin typeface="Atkinson Hyperlegible" pitchFamily="50" charset="0"/>
+                <a:ea typeface="+mj-ea"/>
+                <a:cs typeface="+mj-cs"/>
+              </a:rPr>
+              <a:t>Task </a:t>
+            </a:r>
+            <a:fld id="{C4A595E0-68AA-423E-BAF3-3392370CE250}" type="slidenum">
+              <a:rPr kumimoji="0" lang="en-GB" sz="2400" b="1" i="0" u="none" strike="noStrike" kern="1200" cap="none" spc="0" normalizeH="0" baseline="0" noProof="0" smtClean="0">
+                <a:ln>
+                  <a:noFill/>
+                </a:ln>
+                <a:solidFill>
+                  <a:prstClr val="black"/>
+                </a:solidFill>
+                <a:effectLst/>
+                <a:uLnTx/>
+                <a:uFillTx/>
+                <a:latin typeface="Atkinson Hyperlegible" pitchFamily="50" charset="0"/>
+                <a:ea typeface="+mj-ea"/>
+                <a:cs typeface="+mj-cs"/>
+              </a:rPr>
+              <a:t>7</a:t>
+            </a:fld>
+            <a:endParaRPr kumimoji="0" lang="en-GB" sz="2400" b="1" i="0" u="none" strike="noStrike" kern="1200" cap="none" spc="0" normalizeH="0" baseline="0" noProof="0" dirty="0">
+              <a:ln>
+                <a:noFill/>
+              </a:ln>
+              <a:solidFill>
+                <a:prstClr val="black"/>
+              </a:solidFill>
+              <a:effectLst/>
+              <a:uLnTx/>
+              <a:uFillTx/>
+              <a:latin typeface="Atkinson Hyperlegible" pitchFamily="50" charset="0"/>
+              <a:ea typeface="+mj-ea"/>
+              <a:cs typeface="+mj-cs"/>
+            </a:endParaRPr>
+          </a:p>
+          <a:p>
+            <a:endParaRPr lang="en-GB" sz="2400" dirty="0">
+              <a:solidFill>
+                <a:prstClr val="black"/>
+              </a:solidFill>
+              <a:latin typeface="Atkinson Hyperlegible" pitchFamily="50" charset="0"/>
+              <a:ea typeface="+mj-ea"/>
+              <a:cs typeface="+mj-cs"/>
+            </a:endParaRPr>
+          </a:p>
+          <a:p>
+            <a:r>
+              <a:rPr lang="en-GB" sz="2400" dirty="0">
+                <a:solidFill>
+                  <a:prstClr val="black"/>
+                </a:solidFill>
+                <a:latin typeface="Atkinson Hyperlegible" pitchFamily="50" charset="0"/>
+                <a:ea typeface="+mj-ea"/>
+                <a:cs typeface="+mj-cs"/>
+              </a:rPr>
               <a:t>Create the function </a:t>
             </a:r>
             <a:r>
@@ -5226,7 +5792,7 @@
 </p:sld>
 </file>
 
-<file path=ppt/slides/slide7.xml><?xml version="1.0" encoding="utf-8"?>
+<file path=ppt/slides/slide8.xml><?xml version="1.0" encoding="utf-8"?>
 <p:sld xmlns:a="http://schemas.openxmlformats.org/drawingml/2006/main" xmlns:r="http://schemas.openxmlformats.org/officeDocument/2006/relationships" xmlns:p="http://schemas.openxmlformats.org/presentationml/2006/main">
   <p:cSld>
     <p:spTree>

--- a/tasks6.pptx
+++ b/tasks6.pptx
@@ -4692,7 +4692,7 @@
             <p:spPr>
               <a:xfrm>
                 <a:off x="696000" y="729000"/>
-                <a:ext cx="10800000" cy="4154984"/>
+                <a:ext cx="10800000" cy="5262979"/>
               </a:xfrm>
               <a:prstGeom prst="rect">
                 <a:avLst/>
@@ -4904,7 +4904,7 @@
                           <a:ea typeface="+mj-ea"/>
                           <a:cs typeface="+mj-cs"/>
                         </a:rPr>
-                        <m:t>=1</m:t>
+                        <m:t>=1,</m:t>
                       </m:r>
                     </m:oMath>
                   </m:oMathPara>
@@ -5114,7 +5114,7 @@
                   <a:t>Define </a:t>
                 </a:r>
                 <a:r>
-                  <a:rPr lang="en-GB" sz="2400" dirty="0">
+                  <a:rPr lang="en-GB" sz="2400" dirty="0" err="1">
                     <a:solidFill>
                       <a:prstClr val="black"/>
                     </a:solidFill>
@@ -5122,7 +5122,7 @@
                     <a:ea typeface="+mj-ea"/>
                     <a:cs typeface="+mj-cs"/>
                   </a:rPr>
-                  <a:t>F</a:t>
+                  <a:t>F_d</a:t>
                 </a:r>
                 <a:r>
                   <a:rPr lang="en-GB" sz="2400" dirty="0">
@@ -5133,7 +5133,57 @@
                     <a:ea typeface="+mj-ea"/>
                     <a:cs typeface="+mj-cs"/>
                   </a:rPr>
-                  <a:t>.</a:t>
+                  <a:t> as a Fibonacci </a:t>
+                </a:r>
+                <a:r>
+                  <a:rPr lang="en-GB" sz="2400" dirty="0" err="1">
+                    <a:solidFill>
+                      <a:prstClr val="black"/>
+                    </a:solidFill>
+                    <a:latin typeface="Atkinson Hyperlegible" pitchFamily="50" charset="0"/>
+                    <a:ea typeface="+mj-ea"/>
+                    <a:cs typeface="+mj-cs"/>
+                  </a:rPr>
+                  <a:t>dfn</a:t>
+                </a:r>
+                <a:r>
+                  <a:rPr lang="en-GB" sz="2400" dirty="0">
+                    <a:solidFill>
+                      <a:prstClr val="black"/>
+                    </a:solidFill>
+                    <a:latin typeface="Atkinson Hyperlegible" pitchFamily="50" charset="0"/>
+                    <a:ea typeface="+mj-ea"/>
+                    <a:cs typeface="+mj-cs"/>
+                  </a:rPr>
+                  <a:t>:</a:t>
+                </a:r>
+              </a:p>
+              <a:p>
+                <a:r>
+                  <a:rPr lang="en-GB" sz="2400" dirty="0">
+                    <a:latin typeface="APL385 Unicode" panose="020B0709000202000203" pitchFamily="49" charset="0"/>
+                  </a:rPr>
+                  <a:t>            </a:t>
+                </a:r>
+                <a:r>
+                  <a:rPr lang="en-GB" sz="2400" dirty="0" err="1">
+                    <a:latin typeface="APL385 Unicode" panose="020B0709000202000203" pitchFamily="49" charset="0"/>
+                  </a:rPr>
+                  <a:t>F_d</a:t>
+                </a:r>
+                <a:r>
+                  <a:rPr lang="en-GB" sz="2400" dirty="0">
+                    <a:latin typeface="APL385 Unicode" panose="020B0709000202000203" pitchFamily="49" charset="0"/>
+                  </a:rPr>
+                  <a:t>¨⍳10</a:t>
+                </a:r>
+              </a:p>
+              <a:p>
+                <a:r>
+                  <a:rPr lang="en-GB" sz="2400" dirty="0">
+                    <a:latin typeface="APL385 Unicode" panose="020B0709000202000203" pitchFamily="49" charset="0"/>
+                  </a:rPr>
+                  <a:t>1 1 2 3 5 8 13 21 34 55</a:t>
                 </a:r>
               </a:p>
               <a:p>
@@ -5149,9 +5199,58 @@
               <a:p>
                 <a:r>
                   <a:rPr lang="en-GB" sz="2400" dirty="0">
+                    <a:solidFill>
+                      <a:prstClr val="black"/>
+                    </a:solidFill>
+                    <a:latin typeface="Atkinson Hyperlegible" pitchFamily="50" charset="0"/>
+                    <a:ea typeface="+mj-ea"/>
+                    <a:cs typeface="+mj-cs"/>
+                  </a:rPr>
+                  <a:t>Define </a:t>
+                </a:r>
+                <a:r>
+                  <a:rPr lang="en-GB" sz="2400" dirty="0" err="1">
+                    <a:solidFill>
+                      <a:prstClr val="black"/>
+                    </a:solidFill>
                     <a:latin typeface="APL385 Unicode" panose="020B0709000202000203" pitchFamily="49" charset="0"/>
+                    <a:ea typeface="+mj-ea"/>
+                    <a:cs typeface="+mj-cs"/>
                   </a:rPr>
-                  <a:t>            F¨⍳10</a:t>
+                  <a:t>F_t</a:t>
+                </a:r>
+                <a:r>
+                  <a:rPr lang="en-GB" sz="2400" dirty="0">
+                    <a:solidFill>
+                      <a:prstClr val="black"/>
+                    </a:solidFill>
+                    <a:latin typeface="Atkinson Hyperlegible" pitchFamily="50" charset="0"/>
+                    <a:ea typeface="+mj-ea"/>
+                    <a:cs typeface="+mj-cs"/>
+                  </a:rPr>
+                  <a:t> as a Fibonacci </a:t>
+                </a:r>
+                <a:r>
+                  <a:rPr lang="en-GB" sz="2400" dirty="0" err="1">
+                    <a:solidFill>
+                      <a:prstClr val="black"/>
+                    </a:solidFill>
+                    <a:latin typeface="Atkinson Hyperlegible" pitchFamily="50" charset="0"/>
+                    <a:ea typeface="+mj-ea"/>
+                    <a:cs typeface="+mj-cs"/>
+                  </a:rPr>
+                  <a:t>tradfn</a:t>
+                </a:r>
+                <a:r>
+                  <a:rPr lang="en-GB" sz="2400" dirty="0">
+                    <a:solidFill>
+                      <a:prstClr val="black"/>
+                    </a:solidFill>
+                    <a:latin typeface="Atkinson Hyperlegible" pitchFamily="50" charset="0"/>
+                    <a:ea typeface="+mj-ea"/>
+                    <a:cs typeface="+mj-cs"/>
+                  </a:rPr>
+                  <a:t>:</a:t>
                 </a:r>
               </a:p>
               <a:p>
@@ -5159,8 +5258,37 @@
                   <a:rPr lang="en-GB" sz="2400" dirty="0">
                     <a:latin typeface="APL385 Unicode" panose="020B0709000202000203" pitchFamily="49" charset="0"/>
                   </a:rPr>
-                  <a:t>1 1 2 3 5 8 13 21 34 55</a:t>
+                  <a:t>            </a:t>
                 </a:r>
+                <a:r>
+                  <a:rPr lang="en-GB" sz="2400" dirty="0" err="1">
+                    <a:latin typeface="APL385 Unicode" panose="020B0709000202000203" pitchFamily="49" charset="0"/>
+                  </a:rPr>
+                  <a:t>F_t</a:t>
+                </a:r>
+                <a:r>
+                  <a:rPr lang="en-GB" sz="2400" dirty="0">
+                    <a:latin typeface="APL385 Unicode" panose="020B0709000202000203" pitchFamily="49" charset="0"/>
+                  </a:rPr>
+                  <a:t>¨⍳10</a:t>
+                </a:r>
+              </a:p>
+              <a:p>
+                <a:r>
+                  <a:rPr lang="en-GB" sz="2400" dirty="0">
+                    <a:latin typeface="APL385 Unicode" panose="020B0709000202000203" pitchFamily="49" charset="0"/>
+                  </a:rPr>
+                  <a:t>1 1 2 3 5 8 13 21 </a:t>
+                </a:r>
+                <a:r>
+                  <a:rPr lang="en-GB" sz="2400">
+                    <a:latin typeface="APL385 Unicode" panose="020B0709000202000203" pitchFamily="49" charset="0"/>
+                  </a:rPr>
+                  <a:t>34 55</a:t>
+                </a:r>
+                <a:endParaRPr lang="en-GB" sz="2400" dirty="0">
+                  <a:latin typeface="APL385 Unicode" panose="020B0709000202000203" pitchFamily="49" charset="0"/>
+                </a:endParaRPr>
               </a:p>
             </p:txBody>
           </p:sp>
@@ -5183,7 +5311,7 @@
             <p:spPr>
               <a:xfrm>
                 <a:off x="696000" y="729000"/>
-                <a:ext cx="10800000" cy="4154984"/>
+                <a:ext cx="10800000" cy="5262979"/>
               </a:xfrm>
               <a:prstGeom prst="rect">
                 <a:avLst/>
@@ -5191,7 +5319,7 @@
               <a:blipFill>
                 <a:blip r:embed="rId2"/>
                 <a:stretch>
-                  <a:fillRect l="-847" t="-1175" b="-2496"/>
+                  <a:fillRect l="-847" t="-927" b="-1738"/>
                 </a:stretch>
               </a:blipFill>
             </p:spPr>

--- a/tasks6.pptx
+++ b/tasks6.pptx
@@ -204,7 +204,7 @@
           <a:p>
             <a:fld id="{60A1A0BD-27CC-4C52-B084-C7D29C3E6A60}" type="datetimeFigureOut">
               <a:rPr lang="en-GB" smtClean="0"/>
-              <a:t>30/08/2021</a:t>
+              <a:t>02/09/2021</a:t>
             </a:fld>
             <a:endParaRPr lang="en-GB"/>
           </a:p>
@@ -621,7 +621,7 @@
           <a:p>
             <a:fld id="{4C324CBA-B5F8-49E4-A74D-FDDDFCEF0F4B}" type="datetimeFigureOut">
               <a:rPr lang="en-GB" smtClean="0"/>
-              <a:t>30/08/2021</a:t>
+              <a:t>02/09/2021</a:t>
             </a:fld>
             <a:endParaRPr lang="en-GB"/>
           </a:p>
@@ -821,7 +821,7 @@
           <a:p>
             <a:fld id="{4C324CBA-B5F8-49E4-A74D-FDDDFCEF0F4B}" type="datetimeFigureOut">
               <a:rPr lang="en-GB" smtClean="0"/>
-              <a:t>30/08/2021</a:t>
+              <a:t>02/09/2021</a:t>
             </a:fld>
             <a:endParaRPr lang="en-GB"/>
           </a:p>
@@ -1031,7 +1031,7 @@
           <a:p>
             <a:fld id="{4C324CBA-B5F8-49E4-A74D-FDDDFCEF0F4B}" type="datetimeFigureOut">
               <a:rPr lang="en-GB" smtClean="0"/>
-              <a:t>30/08/2021</a:t>
+              <a:t>02/09/2021</a:t>
             </a:fld>
             <a:endParaRPr lang="en-GB"/>
           </a:p>
@@ -1231,7 +1231,7 @@
           <a:p>
             <a:fld id="{4C324CBA-B5F8-49E4-A74D-FDDDFCEF0F4B}" type="datetimeFigureOut">
               <a:rPr lang="en-GB" smtClean="0"/>
-              <a:t>30/08/2021</a:t>
+              <a:t>02/09/2021</a:t>
             </a:fld>
             <a:endParaRPr lang="en-GB"/>
           </a:p>
@@ -1507,7 +1507,7 @@
           <a:p>
             <a:fld id="{4C324CBA-B5F8-49E4-A74D-FDDDFCEF0F4B}" type="datetimeFigureOut">
               <a:rPr lang="en-GB" smtClean="0"/>
-              <a:t>30/08/2021</a:t>
+              <a:t>02/09/2021</a:t>
             </a:fld>
             <a:endParaRPr lang="en-GB"/>
           </a:p>
@@ -1775,7 +1775,7 @@
           <a:p>
             <a:fld id="{4C324CBA-B5F8-49E4-A74D-FDDDFCEF0F4B}" type="datetimeFigureOut">
               <a:rPr lang="en-GB" smtClean="0"/>
-              <a:t>30/08/2021</a:t>
+              <a:t>02/09/2021</a:t>
             </a:fld>
             <a:endParaRPr lang="en-GB"/>
           </a:p>
@@ -2190,7 +2190,7 @@
           <a:p>
             <a:fld id="{4C324CBA-B5F8-49E4-A74D-FDDDFCEF0F4B}" type="datetimeFigureOut">
               <a:rPr lang="en-GB" smtClean="0"/>
-              <a:t>30/08/2021</a:t>
+              <a:t>02/09/2021</a:t>
             </a:fld>
             <a:endParaRPr lang="en-GB"/>
           </a:p>
@@ -2332,7 +2332,7 @@
           <a:p>
             <a:fld id="{4C324CBA-B5F8-49E4-A74D-FDDDFCEF0F4B}" type="datetimeFigureOut">
               <a:rPr lang="en-GB" smtClean="0"/>
-              <a:t>30/08/2021</a:t>
+              <a:t>02/09/2021</a:t>
             </a:fld>
             <a:endParaRPr lang="en-GB"/>
           </a:p>
@@ -2445,7 +2445,7 @@
           <a:p>
             <a:fld id="{4C324CBA-B5F8-49E4-A74D-FDDDFCEF0F4B}" type="datetimeFigureOut">
               <a:rPr lang="en-GB" smtClean="0"/>
-              <a:t>30/08/2021</a:t>
+              <a:t>02/09/2021</a:t>
             </a:fld>
             <a:endParaRPr lang="en-GB"/>
           </a:p>
@@ -2758,7 +2758,7 @@
           <a:p>
             <a:fld id="{4C324CBA-B5F8-49E4-A74D-FDDDFCEF0F4B}" type="datetimeFigureOut">
               <a:rPr lang="en-GB" smtClean="0"/>
-              <a:t>30/08/2021</a:t>
+              <a:t>02/09/2021</a:t>
             </a:fld>
             <a:endParaRPr lang="en-GB"/>
           </a:p>
@@ -3047,7 +3047,7 @@
           <a:p>
             <a:fld id="{4C324CBA-B5F8-49E4-A74D-FDDDFCEF0F4B}" type="datetimeFigureOut">
               <a:rPr lang="en-GB" smtClean="0"/>
-              <a:t>30/08/2021</a:t>
+              <a:t>02/09/2021</a:t>
             </a:fld>
             <a:endParaRPr lang="en-GB"/>
           </a:p>
@@ -3292,7 +3292,7 @@
             <a:fld id="{4C324CBA-B5F8-49E4-A74D-FDDDFCEF0F4B}" type="datetimeFigureOut">
               <a:rPr lang="en-GB" smtClean="0"/>
               <a:pPr/>
-              <a:t>30/08/2021</a:t>
+              <a:t>02/09/2021</a:t>
             </a:fld>
             <a:endParaRPr lang="en-GB" dirty="0"/>
           </a:p>
@@ -5136,7 +5136,7 @@
                   <a:t> as a Fibonacci </a:t>
                 </a:r>
                 <a:r>
-                  <a:rPr lang="en-GB" sz="2400" dirty="0" err="1">
+                  <a:rPr lang="en-GB" sz="2400" b="1" dirty="0" err="1">
                     <a:solidFill>
                       <a:prstClr val="black"/>
                     </a:solidFill>
@@ -5231,7 +5231,7 @@
                   <a:t> as a Fibonacci </a:t>
                 </a:r>
                 <a:r>
-                  <a:rPr lang="en-GB" sz="2400" dirty="0" err="1">
+                  <a:rPr lang="en-GB" sz="2400" b="1" dirty="0" err="1">
                     <a:solidFill>
                       <a:prstClr val="black"/>
                     </a:solidFill>
@@ -5278,17 +5278,8 @@
                   <a:rPr lang="en-GB" sz="2400" dirty="0">
                     <a:latin typeface="APL385 Unicode" panose="020B0709000202000203" pitchFamily="49" charset="0"/>
                   </a:rPr>
-                  <a:t>1 1 2 3 5 8 13 21 </a:t>
+                  <a:t>1 1 2 3 5 8 13 21 34 55</a:t>
                 </a:r>
-                <a:r>
-                  <a:rPr lang="en-GB" sz="2400">
-                    <a:latin typeface="APL385 Unicode" panose="020B0709000202000203" pitchFamily="49" charset="0"/>
-                  </a:rPr>
-                  <a:t>34 55</a:t>
-                </a:r>
-                <a:endParaRPr lang="en-GB" sz="2400" dirty="0">
-                  <a:latin typeface="APL385 Unicode" panose="020B0709000202000203" pitchFamily="49" charset="0"/>
-                </a:endParaRPr>
               </a:p>
             </p:txBody>
           </p:sp>
